--- a/How to install Z83 sample solution.pptx
+++ b/How to install Z83 sample solution.pptx
@@ -115,19 +115,94 @@
       </a:defRPr>
     </a:lvl9pPr>
   </p:defaultTextStyle>
+  <p:extLst>
+    <p:ext uri="{EFAFB233-063F-42B5-8137-9DF3F51BA10A}">
+      <p15:sldGuideLst xmlns:p15="http://schemas.microsoft.com/office/powerpoint/2012/main"/>
+    </p:ext>
+  </p:extLst>
 </p:presentation>
-</file>
-
-<file path=ppt/revisionInfo.xml><?xml version="1.0" encoding="utf-8"?>
-<p1510:revInfo xmlns:a="http://schemas.openxmlformats.org/drawingml/2006/main" xmlns:r="http://schemas.openxmlformats.org/officeDocument/2006/relationships" xmlns:p1510="http://schemas.microsoft.com/office/powerpoint/2015/10/main">
-  <p1510:revLst>
-    <p1510:client id="{FD647F71-1C11-4424-BB34-3C68EF4F47F5}" v="2" dt="2022-09-19T13:04:03.811"/>
-  </p1510:revLst>
-</p1510:revInfo>
 </file>
 
 <file path=ppt/changesInfos/changesInfo1.xml><?xml version="1.0" encoding="utf-8"?>
 <pc:chgInfo xmlns:a="http://schemas.openxmlformats.org/drawingml/2006/main" xmlns:r="http://schemas.openxmlformats.org/officeDocument/2006/relationships" xmlns:ac="http://schemas.microsoft.com/office/drawing/2013/main/command" xmlns:pc="http://schemas.microsoft.com/office/powerpoint/2013/main/command">
+  <pc:docChgLst>
+    <pc:chgData name="Michael O'Donovan" userId="26a553ea-989b-48e8-9f70-669fff0c5216" providerId="ADAL" clId="{A505A058-F685-4122-858D-86BDBE500BA6}"/>
+    <pc:docChg chg="undo custSel modSld">
+      <pc:chgData name="Michael O'Donovan" userId="26a553ea-989b-48e8-9f70-669fff0c5216" providerId="ADAL" clId="{A505A058-F685-4122-858D-86BDBE500BA6}" dt="2023-05-02T09:16:37.817" v="257" actId="1076"/>
+      <pc:docMkLst>
+        <pc:docMk/>
+      </pc:docMkLst>
+      <pc:sldChg chg="modSp mod">
+        <pc:chgData name="Michael O'Donovan" userId="26a553ea-989b-48e8-9f70-669fff0c5216" providerId="ADAL" clId="{A505A058-F685-4122-858D-86BDBE500BA6}" dt="2023-05-02T08:56:06.115" v="92" actId="20577"/>
+        <pc:sldMkLst>
+          <pc:docMk/>
+          <pc:sldMk cId="2822010126" sldId="309"/>
+        </pc:sldMkLst>
+        <pc:spChg chg="mod">
+          <ac:chgData name="Michael O'Donovan" userId="26a553ea-989b-48e8-9f70-669fff0c5216" providerId="ADAL" clId="{A505A058-F685-4122-858D-86BDBE500BA6}" dt="2023-05-02T08:56:06.115" v="92" actId="20577"/>
+          <ac:spMkLst>
+            <pc:docMk/>
+            <pc:sldMk cId="2822010126" sldId="309"/>
+            <ac:spMk id="3" creationId="{F14A4242-05E3-CB65-A17B-B6C49464B05A}"/>
+          </ac:spMkLst>
+        </pc:spChg>
+      </pc:sldChg>
+      <pc:sldChg chg="modSp mod">
+        <pc:chgData name="Michael O'Donovan" userId="26a553ea-989b-48e8-9f70-669fff0c5216" providerId="ADAL" clId="{A505A058-F685-4122-858D-86BDBE500BA6}" dt="2023-05-02T09:11:01.143" v="252" actId="20577"/>
+        <pc:sldMkLst>
+          <pc:docMk/>
+          <pc:sldMk cId="2967858075" sldId="316"/>
+        </pc:sldMkLst>
+        <pc:spChg chg="mod">
+          <ac:chgData name="Michael O'Donovan" userId="26a553ea-989b-48e8-9f70-669fff0c5216" providerId="ADAL" clId="{A505A058-F685-4122-858D-86BDBE500BA6}" dt="2023-05-02T09:11:01.143" v="252" actId="20577"/>
+          <ac:spMkLst>
+            <pc:docMk/>
+            <pc:sldMk cId="2967858075" sldId="316"/>
+            <ac:spMk id="3" creationId="{F14A4242-05E3-CB65-A17B-B6C49464B05A}"/>
+          </ac:spMkLst>
+        </pc:spChg>
+      </pc:sldChg>
+      <pc:sldChg chg="addSp delSp modSp mod">
+        <pc:chgData name="Michael O'Donovan" userId="26a553ea-989b-48e8-9f70-669fff0c5216" providerId="ADAL" clId="{A505A058-F685-4122-858D-86BDBE500BA6}" dt="2023-05-02T09:16:37.817" v="257" actId="1076"/>
+        <pc:sldMkLst>
+          <pc:docMk/>
+          <pc:sldMk cId="2752586607" sldId="317"/>
+        </pc:sldMkLst>
+        <pc:spChg chg="del">
+          <ac:chgData name="Michael O'Donovan" userId="26a553ea-989b-48e8-9f70-669fff0c5216" providerId="ADAL" clId="{A505A058-F685-4122-858D-86BDBE500BA6}" dt="2023-05-02T09:16:34.998" v="256" actId="22"/>
+          <ac:spMkLst>
+            <pc:docMk/>
+            <pc:sldMk cId="2752586607" sldId="317"/>
+            <ac:spMk id="3" creationId="{73FC4D5A-5A48-9024-BA9B-7ECBA4698B92}"/>
+          </ac:spMkLst>
+        </pc:spChg>
+        <pc:picChg chg="del">
+          <ac:chgData name="Michael O'Donovan" userId="26a553ea-989b-48e8-9f70-669fff0c5216" providerId="ADAL" clId="{A505A058-F685-4122-858D-86BDBE500BA6}" dt="2023-05-02T09:15:51.002" v="253" actId="478"/>
+          <ac:picMkLst>
+            <pc:docMk/>
+            <pc:sldMk cId="2752586607" sldId="317"/>
+            <ac:picMk id="5" creationId="{2E640EE2-1018-1DD2-18C0-28CC23CC5324}"/>
+          </ac:picMkLst>
+        </pc:picChg>
+        <pc:picChg chg="add del">
+          <ac:chgData name="Michael O'Donovan" userId="26a553ea-989b-48e8-9f70-669fff0c5216" providerId="ADAL" clId="{A505A058-F685-4122-858D-86BDBE500BA6}" dt="2023-05-02T09:15:58.448" v="255" actId="22"/>
+          <ac:picMkLst>
+            <pc:docMk/>
+            <pc:sldMk cId="2752586607" sldId="317"/>
+            <ac:picMk id="7" creationId="{6EA05C6B-6D04-F746-BD38-9AD94168DAF8}"/>
+          </ac:picMkLst>
+        </pc:picChg>
+        <pc:picChg chg="add mod ord">
+          <ac:chgData name="Michael O'Donovan" userId="26a553ea-989b-48e8-9f70-669fff0c5216" providerId="ADAL" clId="{A505A058-F685-4122-858D-86BDBE500BA6}" dt="2023-05-02T09:16:37.817" v="257" actId="1076"/>
+          <ac:picMkLst>
+            <pc:docMk/>
+            <pc:sldMk cId="2752586607" sldId="317"/>
+            <ac:picMk id="9" creationId="{4F2F3403-8AF5-BF81-87EE-10DE83F0DE5A}"/>
+          </ac:picMkLst>
+        </pc:picChg>
+      </pc:sldChg>
+    </pc:docChg>
+  </pc:docChgLst>
   <pc:docChgLst>
     <pc:chgData name="Michael O'Donovan" userId="26a553ea-989b-48e8-9f70-669fff0c5216" providerId="ADAL" clId="{FD647F71-1C11-4424-BB34-3C68EF4F47F5}"/>
     <pc:docChg chg="undo custSel addSld modSld">
@@ -424,6 +499,45 @@
       </pc:sldChg>
     </pc:docChg>
   </pc:docChgLst>
+  <pc:docChgLst>
+    <pc:chgData name="Michael O'Donovan" userId="26a553ea-989b-48e8-9f70-669fff0c5216" providerId="ADAL" clId="{0C65DCD6-8C36-4E96-9B5C-CF7722F6E734}"/>
+    <pc:docChg chg="custSel modSld">
+      <pc:chgData name="Michael O'Donovan" userId="26a553ea-989b-48e8-9f70-669fff0c5216" providerId="ADAL" clId="{0C65DCD6-8C36-4E96-9B5C-CF7722F6E734}" dt="2023-05-22T13:33:38.532" v="121" actId="20577"/>
+      <pc:docMkLst>
+        <pc:docMk/>
+      </pc:docMkLst>
+      <pc:sldChg chg="modSp mod">
+        <pc:chgData name="Michael O'Donovan" userId="26a553ea-989b-48e8-9f70-669fff0c5216" providerId="ADAL" clId="{0C65DCD6-8C36-4E96-9B5C-CF7722F6E734}" dt="2023-05-22T13:31:58.160" v="0" actId="20577"/>
+        <pc:sldMkLst>
+          <pc:docMk/>
+          <pc:sldMk cId="2822010126" sldId="309"/>
+        </pc:sldMkLst>
+        <pc:spChg chg="mod">
+          <ac:chgData name="Michael O'Donovan" userId="26a553ea-989b-48e8-9f70-669fff0c5216" providerId="ADAL" clId="{0C65DCD6-8C36-4E96-9B5C-CF7722F6E734}" dt="2023-05-22T13:31:58.160" v="0" actId="20577"/>
+          <ac:spMkLst>
+            <pc:docMk/>
+            <pc:sldMk cId="2822010126" sldId="309"/>
+            <ac:spMk id="3" creationId="{F14A4242-05E3-CB65-A17B-B6C49464B05A}"/>
+          </ac:spMkLst>
+        </pc:spChg>
+      </pc:sldChg>
+      <pc:sldChg chg="modSp mod">
+        <pc:chgData name="Michael O'Donovan" userId="26a553ea-989b-48e8-9f70-669fff0c5216" providerId="ADAL" clId="{0C65DCD6-8C36-4E96-9B5C-CF7722F6E734}" dt="2023-05-22T13:33:38.532" v="121" actId="20577"/>
+        <pc:sldMkLst>
+          <pc:docMk/>
+          <pc:sldMk cId="2967858075" sldId="316"/>
+        </pc:sldMkLst>
+        <pc:spChg chg="mod">
+          <ac:chgData name="Michael O'Donovan" userId="26a553ea-989b-48e8-9f70-669fff0c5216" providerId="ADAL" clId="{0C65DCD6-8C36-4E96-9B5C-CF7722F6E734}" dt="2023-05-22T13:33:38.532" v="121" actId="20577"/>
+          <ac:spMkLst>
+            <pc:docMk/>
+            <pc:sldMk cId="2967858075" sldId="316"/>
+            <ac:spMk id="3" creationId="{F14A4242-05E3-CB65-A17B-B6C49464B05A}"/>
+          </ac:spMkLst>
+        </pc:spChg>
+      </pc:sldChg>
+    </pc:docChg>
+  </pc:docChgLst>
 </pc:chgInfo>
 </file>
 
@@ -583,7 +697,7 @@
           <a:p>
             <a:fld id="{02AC24A9-CCB6-4F8D-B8DB-C2F3692CFA5A}" type="datetimeFigureOut">
               <a:rPr lang="en-US" smtClean="0"/>
-              <a:t>9/19/2022</a:t>
+              <a:t>5/22/2023</a:t>
             </a:fld>
             <a:endParaRPr lang="en-US" dirty="0"/>
           </a:p>
@@ -953,7 +1067,7 @@
           <a:p>
             <a:fld id="{02AC24A9-CCB6-4F8D-B8DB-C2F3692CFA5A}" type="datetimeFigureOut">
               <a:rPr lang="en-US" smtClean="0"/>
-              <a:t>9/19/2022</a:t>
+              <a:t>5/22/2023</a:t>
             </a:fld>
             <a:endParaRPr lang="en-US"/>
           </a:p>
@@ -1162,7 +1276,7 @@
           <a:p>
             <a:fld id="{02AC24A9-CCB6-4F8D-B8DB-C2F3692CFA5A}" type="datetimeFigureOut">
               <a:rPr lang="en-US" smtClean="0"/>
-              <a:t>9/19/2022</a:t>
+              <a:t>5/22/2023</a:t>
             </a:fld>
             <a:endParaRPr lang="en-US"/>
           </a:p>
@@ -1833,7 +1947,7 @@
           <a:p>
             <a:fld id="{02AC24A9-CCB6-4F8D-B8DB-C2F3692CFA5A}" type="datetimeFigureOut">
               <a:rPr lang="en-US" smtClean="0"/>
-              <a:t>9/19/2022</a:t>
+              <a:t>5/22/2023</a:t>
             </a:fld>
             <a:endParaRPr lang="en-US"/>
           </a:p>
@@ -2287,7 +2401,7 @@
           <a:p>
             <a:fld id="{02AC24A9-CCB6-4F8D-B8DB-C2F3692CFA5A}" type="datetimeFigureOut">
               <a:rPr lang="en-US" smtClean="0"/>
-              <a:t>9/19/2022</a:t>
+              <a:t>5/22/2023</a:t>
             </a:fld>
             <a:endParaRPr lang="en-US"/>
           </a:p>
@@ -2529,7 +2643,7 @@
           <a:p>
             <a:fld id="{02AC24A9-CCB6-4F8D-B8DB-C2F3692CFA5A}" type="datetimeFigureOut">
               <a:rPr lang="en-US" smtClean="0"/>
-              <a:t>9/19/2022</a:t>
+              <a:t>5/22/2023</a:t>
             </a:fld>
             <a:endParaRPr lang="en-US"/>
           </a:p>
@@ -3518,7 +3632,7 @@
           <a:p>
             <a:fld id="{02AC24A9-CCB6-4F8D-B8DB-C2F3692CFA5A}" type="datetimeFigureOut">
               <a:rPr lang="en-US" smtClean="0"/>
-              <a:t>9/19/2022</a:t>
+              <a:t>5/22/2023</a:t>
             </a:fld>
             <a:endParaRPr lang="en-US"/>
           </a:p>
@@ -3847,7 +3961,7 @@
           <a:p>
             <a:fld id="{02AC24A9-CCB6-4F8D-B8DB-C2F3692CFA5A}" type="datetimeFigureOut">
               <a:rPr lang="en-US" smtClean="0"/>
-              <a:t>9/19/2022</a:t>
+              <a:t>5/22/2023</a:t>
             </a:fld>
             <a:endParaRPr lang="en-US"/>
           </a:p>
@@ -3960,7 +4074,7 @@
           <a:p>
             <a:fld id="{02AC24A9-CCB6-4F8D-B8DB-C2F3692CFA5A}" type="datetimeFigureOut">
               <a:rPr lang="en-US" smtClean="0"/>
-              <a:t>9/19/2022</a:t>
+              <a:t>5/22/2023</a:t>
             </a:fld>
             <a:endParaRPr lang="en-US"/>
           </a:p>
@@ -4455,7 +4569,7 @@
           <a:p>
             <a:fld id="{02AC24A9-CCB6-4F8D-B8DB-C2F3692CFA5A}" type="datetimeFigureOut">
               <a:rPr lang="en-US" smtClean="0"/>
-              <a:t>9/19/2022</a:t>
+              <a:t>5/22/2023</a:t>
             </a:fld>
             <a:endParaRPr lang="en-US" dirty="0"/>
           </a:p>
@@ -4932,7 +5046,7 @@
           <a:p>
             <a:fld id="{02AC24A9-CCB6-4F8D-B8DB-C2F3692CFA5A}" type="datetimeFigureOut">
               <a:rPr lang="en-US" smtClean="0"/>
-              <a:t>9/19/2022</a:t>
+              <a:t>5/22/2023</a:t>
             </a:fld>
             <a:endParaRPr lang="en-US"/>
           </a:p>
@@ -5175,7 +5289,7 @@
           <a:p>
             <a:fld id="{02AC24A9-CCB6-4F8D-B8DB-C2F3692CFA5A}" type="datetimeFigureOut">
               <a:rPr lang="en-US" smtClean="0"/>
-              <a:t>9/19/2022</a:t>
+              <a:t>5/22/2023</a:t>
             </a:fld>
             <a:endParaRPr lang="en-US"/>
           </a:p>
@@ -6545,7 +6659,13 @@
           <a:p>
             <a:r>
               <a:rPr lang="en-ZA" dirty="0"/>
-              <a:t>This will deploy settings and sample master data, which you can always change later. This data is deployed by using the Configuration Migration tool</a:t>
+              <a:t>This will deploy settings and sample master data such as vacancy stages, qualification levels and more. You can always change this master data later. </a:t>
+            </a:r>
+          </a:p>
+          <a:p>
+            <a:r>
+              <a:rPr lang="en-ZA" dirty="0"/>
+              <a:t>This data is deployed by using the Configuration Migration tool</a:t>
             </a:r>
           </a:p>
           <a:p>
@@ -6566,7 +6686,7 @@
           <a:p>
             <a:r>
               <a:rPr lang="en-ZA" dirty="0"/>
-              <a:t>Select the configuration data ZIP file and schema file provided</a:t>
+              <a:t>Select the configuration data ZIP file</a:t>
             </a:r>
           </a:p>
           <a:p>
@@ -6739,7 +6859,7 @@
         </p:spPr>
         <p:txBody>
           <a:bodyPr>
-            <a:normAutofit fontScale="47500" lnSpcReduction="20000"/>
+            <a:normAutofit fontScale="40000" lnSpcReduction="20000"/>
           </a:bodyPr>
           <a:lstStyle/>
           <a:p>
@@ -6792,22 +6912,39 @@
           <a:p>
             <a:pPr lvl="1"/>
             <a:r>
+              <a:rPr lang="en-ZA" dirty="0"/>
+              <a:t>Download PAC Command Line Interface tool here - </a:t>
+            </a:r>
+            <a:r>
               <a:rPr lang="en-ZA" dirty="0">
                 <a:hlinkClick r:id="rId3"/>
               </a:rPr>
+              <a:t>https://aka.ms/PowerAppsCLI</a:t>
+            </a:r>
+            <a:endParaRPr lang="en-ZA" dirty="0"/>
+          </a:p>
+          <a:p>
+            <a:pPr lvl="1"/>
+            <a:r>
+              <a:rPr lang="en-ZA" dirty="0">
+                <a:hlinkClick r:id="rId4"/>
+              </a:rPr>
               <a:t>This article documents </a:t>
             </a:r>
             <a:r>
               <a:rPr lang="en-ZA" dirty="0"/>
-              <a:t>the steps to export and import portal records. In your case you are importing (uploading) only. </a:t>
+              <a:t>the steps to export and import portal records. In your case you are importing (uploading) only.</a:t>
             </a:r>
           </a:p>
           <a:p>
             <a:pPr lvl="1"/>
             <a:r>
               <a:rPr lang="en-ZA" dirty="0"/>
-              <a:t>Example: </a:t>
-            </a:r>
+              <a:t>Example to upload once you have authenticated via “Pac Auth” and set index to portal (read article to see how to do this): </a:t>
+            </a:r>
+          </a:p>
+          <a:p>
+            <a:pPr lvl="2"/>
             <a:r>
               <a:rPr lang="en-ZA" dirty="0" err="1"/>
               <a:t>pac</a:t>
@@ -6822,7 +6959,7 @@
             </a:r>
             <a:r>
               <a:rPr lang="en-ZA" dirty="0"/>
-              <a:t> upload –path c:\temp\public-sector-site-sample</a:t>
+              <a:t> upload -p “c:\temp\public-sector-site-sample”</a:t>
             </a:r>
           </a:p>
           <a:p>
@@ -6834,21 +6971,21 @@
           <a:p>
             <a:r>
               <a:rPr lang="en-ZA" dirty="0"/>
-              <a:t>Use Power Apps Maker portal (make.powerapps.com), select the portal created in step 1, and select to administer it.</a:t>
+              <a:t>Use Power Apps Maker portal (make.powerapps.com), select the portal created in step 1, and select to administer it. (screen shots shown on next slide)</a:t>
             </a:r>
           </a:p>
           <a:p>
             <a:r>
               <a:rPr lang="en-ZA" dirty="0"/>
-              <a:t>In the web site drop down, select the web site imported i.e. Public Sector </a:t>
-            </a:r>
-            <a:r>
-              <a:rPr lang="en-ZA" dirty="0" err="1"/>
-              <a:t>Sampel</a:t>
+              <a:t>In the web site drop down, select the web site imported i.e. Public </a:t>
+            </a:r>
+            <a:r>
+              <a:rPr lang="en-ZA"/>
+              <a:t>Sector Sample </a:t>
             </a:r>
             <a:r>
               <a:rPr lang="en-ZA" dirty="0"/>
-              <a:t> Site. Essentially you are associating the portal create in step 1 with the new imported site.</a:t>
+              <a:t>Site. Essentially you are associating the portal create in step 1 with the new imported site.</a:t>
             </a:r>
           </a:p>
           <a:p>
@@ -6880,7 +7017,7 @@
           <p:nvPr/>
         </p:nvPicPr>
         <p:blipFill>
-          <a:blip r:embed="rId4"/>
+          <a:blip r:embed="rId5"/>
           <a:stretch>
             <a:fillRect/>
           </a:stretch>
@@ -6920,7 +7057,7 @@
           <p:nvPr/>
         </p:nvPicPr>
         <p:blipFill>
-          <a:blip r:embed="rId5"/>
+          <a:blip r:embed="rId6"/>
           <a:stretch>
             <a:fillRect/>
           </a:stretch>
@@ -7003,44 +7140,21 @@
           </a:p>
         </p:txBody>
       </p:sp>
-      <p:sp>
-        <p:nvSpPr>
-          <p:cNvPr id="3" name="Content Placeholder 2">
-            <a:extLst>
-              <a:ext uri="{FF2B5EF4-FFF2-40B4-BE49-F238E27FC236}">
-                <a16:creationId xmlns:a16="http://schemas.microsoft.com/office/drawing/2014/main" id="{73FC4D5A-5A48-9024-BA9B-7ECBA4698B92}"/>
-              </a:ext>
-            </a:extLst>
-          </p:cNvPr>
-          <p:cNvSpPr>
-            <a:spLocks noGrp="1"/>
-          </p:cNvSpPr>
-          <p:nvPr>
-            <p:ph idx="1"/>
-          </p:nvPr>
-        </p:nvSpPr>
-        <p:spPr/>
-        <p:txBody>
-          <a:bodyPr/>
-          <a:lstStyle/>
-          <a:p>
-            <a:endParaRPr lang="en-ZA"/>
-          </a:p>
-        </p:txBody>
-      </p:sp>
       <p:pic>
         <p:nvPicPr>
-          <p:cNvPr id="4" name="Picture 3">
-            <a:extLst>
-              <a:ext uri="{FF2B5EF4-FFF2-40B4-BE49-F238E27FC236}">
-                <a16:creationId xmlns:a16="http://schemas.microsoft.com/office/drawing/2014/main" id="{9706AC80-C955-6400-0AB7-3EE3C5ABDDA7}"/>
+          <p:cNvPr id="9" name="Content Placeholder 8">
+            <a:extLst>
+              <a:ext uri="{FF2B5EF4-FFF2-40B4-BE49-F238E27FC236}">
+                <a16:creationId xmlns:a16="http://schemas.microsoft.com/office/drawing/2014/main" id="{4F2F3403-8AF5-BF81-87EE-10DE83F0DE5A}"/>
               </a:ext>
             </a:extLst>
           </p:cNvPr>
           <p:cNvPicPr>
-            <a:picLocks noChangeAspect="1"/>
+            <a:picLocks noGrp="1" noChangeAspect="1"/>
           </p:cNvPicPr>
-          <p:nvPr/>
+          <p:nvPr>
+            <p:ph idx="1"/>
+          </p:nvPr>
         </p:nvPicPr>
         <p:blipFill>
           <a:blip r:embed="rId2"/>
@@ -7050,30 +7164,17 @@
         </p:blipFill>
         <p:spPr>
           <a:xfrm>
-            <a:off x="466947" y="2136437"/>
-            <a:ext cx="6462837" cy="3097985"/>
-          </a:xfrm>
-          <a:prstGeom prst="rect">
-            <a:avLst/>
-          </a:prstGeom>
-          <a:ln>
-            <a:noFill/>
-          </a:ln>
-          <a:effectLst>
-            <a:outerShdw blurRad="292100" dist="139700" dir="2700000" algn="tl" rotWithShape="0">
-              <a:srgbClr val="333333">
-                <a:alpha val="65000"/>
-              </a:srgbClr>
-            </a:outerShdw>
-          </a:effectLst>
+            <a:off x="5150188" y="1576879"/>
+            <a:ext cx="6676349" cy="4548187"/>
+          </a:xfrm>
         </p:spPr>
       </p:pic>
       <p:pic>
         <p:nvPicPr>
-          <p:cNvPr id="5" name="Picture 4">
-            <a:extLst>
-              <a:ext uri="{FF2B5EF4-FFF2-40B4-BE49-F238E27FC236}">
-                <a16:creationId xmlns:a16="http://schemas.microsoft.com/office/drawing/2014/main" id="{2E640EE2-1018-1DD2-18C0-28CC23CC5324}"/>
+          <p:cNvPr id="4" name="Picture 3">
+            <a:extLst>
+              <a:ext uri="{FF2B5EF4-FFF2-40B4-BE49-F238E27FC236}">
+                <a16:creationId xmlns:a16="http://schemas.microsoft.com/office/drawing/2014/main" id="{9706AC80-C955-6400-0AB7-3EE3C5ABDDA7}"/>
               </a:ext>
             </a:extLst>
           </p:cNvPr>
@@ -7090,8 +7191,8 @@
         </p:blipFill>
         <p:spPr>
           <a:xfrm>
-            <a:off x="7515018" y="2174988"/>
-            <a:ext cx="4055271" cy="3059434"/>
+            <a:off x="466947" y="2136437"/>
+            <a:ext cx="6462837" cy="3097985"/>
           </a:xfrm>
           <a:prstGeom prst="rect">
             <a:avLst/>
